--- a/Analysis_of_the_Used_Car_Market_in_Egypt.pptx
+++ b/Analysis_of_the_Used_Car_Market_in_Egypt.pptx
@@ -1952,6 +1952,13 @@
           </a:solidFill>
           <a:ln/>
         </p:spPr>
+        <p:txBody>
+          <a:bodyPr/>
+          <a:lstStyle/>
+          <a:p>
+            <a:endParaRPr lang="en-US"/>
+          </a:p>
+        </p:txBody>
       </p:sp>
       <p:sp>
         <p:nvSpPr>
@@ -2197,6 +2204,13 @@
           </a:solidFill>
           <a:ln/>
         </p:spPr>
+        <p:txBody>
+          <a:bodyPr/>
+          <a:lstStyle/>
+          <a:p>
+            <a:endParaRPr lang="en-US"/>
+          </a:p>
+        </p:txBody>
       </p:sp>
       <p:sp>
         <p:nvSpPr>
@@ -2405,6 +2419,13 @@
           </a:solidFill>
           <a:ln/>
         </p:spPr>
+        <p:txBody>
+          <a:bodyPr/>
+          <a:lstStyle/>
+          <a:p>
+            <a:endParaRPr lang="en-US"/>
+          </a:p>
+        </p:txBody>
       </p:sp>
       <p:sp>
         <p:nvSpPr>
@@ -2645,6 +2666,13 @@
           </a:solidFill>
           <a:ln/>
         </p:spPr>
+        <p:txBody>
+          <a:bodyPr/>
+          <a:lstStyle/>
+          <a:p>
+            <a:endParaRPr lang="en-US"/>
+          </a:p>
+        </p:txBody>
       </p:sp>
       <p:sp>
         <p:nvSpPr>
@@ -3929,6 +3957,13 @@
           </a:solidFill>
           <a:ln/>
         </p:spPr>
+        <p:txBody>
+          <a:bodyPr/>
+          <a:lstStyle/>
+          <a:p>
+            <a:endParaRPr lang="en-US"/>
+          </a:p>
+        </p:txBody>
       </p:sp>
       <p:sp>
         <p:nvSpPr>
@@ -3949,6 +3984,13 @@
           </a:solidFill>
           <a:ln/>
         </p:spPr>
+        <p:txBody>
+          <a:bodyPr/>
+          <a:lstStyle/>
+          <a:p>
+            <a:endParaRPr lang="en-US"/>
+          </a:p>
+        </p:txBody>
       </p:sp>
       <p:sp>
         <p:nvSpPr>
@@ -4010,6 +4052,13 @@
           </a:solidFill>
           <a:ln/>
         </p:spPr>
+        <p:txBody>
+          <a:bodyPr/>
+          <a:lstStyle/>
+          <a:p>
+            <a:endParaRPr lang="en-US"/>
+          </a:p>
+        </p:txBody>
       </p:sp>
       <p:sp>
         <p:nvSpPr>
@@ -4030,6 +4079,13 @@
           </a:solidFill>
           <a:ln/>
         </p:spPr>
+        <p:txBody>
+          <a:bodyPr/>
+          <a:lstStyle/>
+          <a:p>
+            <a:endParaRPr lang="en-US"/>
+          </a:p>
+        </p:txBody>
       </p:sp>
       <p:sp>
         <p:nvSpPr>
@@ -4091,6 +4147,13 @@
           </a:solidFill>
           <a:ln/>
         </p:spPr>
+        <p:txBody>
+          <a:bodyPr/>
+          <a:lstStyle/>
+          <a:p>
+            <a:endParaRPr lang="en-US"/>
+          </a:p>
+        </p:txBody>
       </p:sp>
       <p:sp>
         <p:nvSpPr>
@@ -4111,6 +4174,13 @@
           </a:solidFill>
           <a:ln/>
         </p:spPr>
+        <p:txBody>
+          <a:bodyPr/>
+          <a:lstStyle/>
+          <a:p>
+            <a:endParaRPr lang="en-US"/>
+          </a:p>
+        </p:txBody>
       </p:sp>
       <p:sp>
         <p:nvSpPr>
@@ -4295,6 +4365,13 @@
           </a:solidFill>
           <a:ln/>
         </p:spPr>
+        <p:txBody>
+          <a:bodyPr/>
+          <a:lstStyle/>
+          <a:p>
+            <a:endParaRPr lang="en-US"/>
+          </a:p>
+        </p:txBody>
       </p:sp>
       <p:sp>
         <p:nvSpPr>
@@ -4561,6 +4638,13 @@
           </a:solidFill>
           <a:ln/>
         </p:spPr>
+        <p:txBody>
+          <a:bodyPr/>
+          <a:lstStyle/>
+          <a:p>
+            <a:endParaRPr lang="en-US"/>
+          </a:p>
+        </p:txBody>
       </p:sp>
       <p:sp>
         <p:nvSpPr>
@@ -5241,6 +5325,13 @@
           </a:solidFill>
           <a:ln/>
         </p:spPr>
+        <p:txBody>
+          <a:bodyPr/>
+          <a:lstStyle/>
+          <a:p>
+            <a:endParaRPr lang="en-US"/>
+          </a:p>
+        </p:txBody>
       </p:sp>
       <p:sp>
         <p:nvSpPr>
@@ -5261,6 +5352,13 @@
           </a:solidFill>
           <a:ln/>
         </p:spPr>
+        <p:txBody>
+          <a:bodyPr/>
+          <a:lstStyle/>
+          <a:p>
+            <a:endParaRPr lang="en-US"/>
+          </a:p>
+        </p:txBody>
       </p:sp>
       <p:sp>
         <p:nvSpPr>
@@ -5322,6 +5420,13 @@
           </a:solidFill>
           <a:ln/>
         </p:spPr>
+        <p:txBody>
+          <a:bodyPr/>
+          <a:lstStyle/>
+          <a:p>
+            <a:endParaRPr lang="en-US"/>
+          </a:p>
+        </p:txBody>
       </p:sp>
       <p:sp>
         <p:nvSpPr>
@@ -5342,6 +5447,13 @@
           </a:solidFill>
           <a:ln/>
         </p:spPr>
+        <p:txBody>
+          <a:bodyPr/>
+          <a:lstStyle/>
+          <a:p>
+            <a:endParaRPr lang="en-US"/>
+          </a:p>
+        </p:txBody>
       </p:sp>
       <p:sp>
         <p:nvSpPr>
@@ -5485,6 +5597,13 @@
           </a:solidFill>
           <a:ln/>
         </p:spPr>
+        <p:txBody>
+          <a:bodyPr/>
+          <a:lstStyle/>
+          <a:p>
+            <a:endParaRPr lang="en-US"/>
+          </a:p>
+        </p:txBody>
       </p:sp>
       <p:sp>
         <p:nvSpPr>
@@ -5669,6 +5788,13 @@
           </a:solidFill>
           <a:ln/>
         </p:spPr>
+        <p:txBody>
+          <a:bodyPr/>
+          <a:lstStyle/>
+          <a:p>
+            <a:endParaRPr lang="en-US"/>
+          </a:p>
+        </p:txBody>
       </p:sp>
       <p:sp>
         <p:nvSpPr>
@@ -5843,7 +5969,7 @@
         <p:spPr>
           <a:xfrm>
             <a:off x="571500" y="3050381"/>
-            <a:ext cx="3857625" cy="233958"/>
+            <a:ext cx="1404231" cy="194284"/>
           </a:xfrm>
           <a:prstGeom prst="rect">
             <a:avLst/>
@@ -5869,7 +5995,7 @@
                   <a:srgbClr val="336EA8"/>
                 </a:solidFill>
               </a:rPr>
-              <a:t>Top 5 Models by Sales</a:t>
+              <a:t>Top 3 Models by Sales</a:t>
             </a:r>
             <a:endParaRPr lang="en-US" sz="1193" dirty="0"/>
           </a:p>
@@ -5894,6 +6020,13 @@
           </a:solidFill>
           <a:ln/>
         </p:spPr>
+        <p:txBody>
+          <a:bodyPr/>
+          <a:lstStyle/>
+          <a:p>
+            <a:endParaRPr lang="en-US"/>
+          </a:p>
+        </p:txBody>
       </p:sp>
       <p:sp>
         <p:nvSpPr>
@@ -5914,6 +6047,13 @@
           </a:solidFill>
           <a:ln/>
         </p:spPr>
+        <p:txBody>
+          <a:bodyPr/>
+          <a:lstStyle/>
+          <a:p>
+            <a:endParaRPr lang="en-US"/>
+          </a:p>
+        </p:txBody>
       </p:sp>
       <p:sp>
         <p:nvSpPr>
@@ -5975,6 +6115,13 @@
           </a:solidFill>
           <a:ln/>
         </p:spPr>
+        <p:txBody>
+          <a:bodyPr/>
+          <a:lstStyle/>
+          <a:p>
+            <a:endParaRPr lang="en-US"/>
+          </a:p>
+        </p:txBody>
       </p:sp>
       <p:sp>
         <p:nvSpPr>
@@ -5995,6 +6142,13 @@
           </a:solidFill>
           <a:ln/>
         </p:spPr>
+        <p:txBody>
+          <a:bodyPr/>
+          <a:lstStyle/>
+          <a:p>
+            <a:endParaRPr lang="en-US"/>
+          </a:p>
+        </p:txBody>
       </p:sp>
       <p:sp>
         <p:nvSpPr>
@@ -6045,8 +6199,8 @@
         </p:nvSpPr>
         <p:spPr>
           <a:xfrm>
-            <a:off x="571500" y="3568303"/>
-            <a:ext cx="1637733" cy="216098"/>
+            <a:off x="571500" y="3574946"/>
+            <a:ext cx="1637733" cy="202812"/>
           </a:xfrm>
           <a:prstGeom prst="rect">
             <a:avLst/>
@@ -6138,6 +6292,13 @@
           </a:solidFill>
           <a:ln/>
         </p:spPr>
+        <p:txBody>
+          <a:bodyPr/>
+          <a:lstStyle/>
+          <a:p>
+            <a:endParaRPr lang="en-US"/>
+          </a:p>
+        </p:txBody>
       </p:sp>
       <p:sp>
         <p:nvSpPr>
@@ -6298,190 +6459,6 @@
                 </a:solidFill>
               </a:rPr>
               <a:t>1,675</a:t>
-            </a:r>
-            <a:endParaRPr lang="en-US" sz="834" dirty="0"/>
-          </a:p>
-        </p:txBody>
-      </p:sp>
-      <p:sp>
-        <p:nvSpPr>
-          <p:cNvPr id="37" name="Shape 34"/>
-          <p:cNvSpPr/>
-          <p:nvPr/>
-        </p:nvSpPr>
-        <p:spPr>
-          <a:xfrm>
-            <a:off x="571500" y="4223742"/>
-            <a:ext cx="3857625" cy="219670"/>
-          </a:xfrm>
-          <a:prstGeom prst="rect">
-            <a:avLst/>
-          </a:prstGeom>
-          <a:solidFill>
-            <a:srgbClr val="F5F5F5"/>
-          </a:solidFill>
-          <a:ln/>
-        </p:spPr>
-      </p:sp>
-      <p:sp>
-        <p:nvSpPr>
-          <p:cNvPr id="38" name="Text 35"/>
-          <p:cNvSpPr/>
-          <p:nvPr/>
-        </p:nvSpPr>
-        <p:spPr>
-          <a:xfrm>
-            <a:off x="571500" y="4223742"/>
-            <a:ext cx="1637733" cy="219670"/>
-          </a:xfrm>
-          <a:prstGeom prst="rect">
-            <a:avLst/>
-          </a:prstGeom>
-          <a:noFill/>
-          <a:ln/>
-        </p:spPr>
-        <p:txBody>
-          <a:bodyPr wrap="square" lIns="102108" tIns="34036" rIns="102108" bIns="34036" rtlCol="0" anchor="ctr">
-            <a:spAutoFit/>
-          </a:bodyPr>
-          <a:lstStyle/>
-          <a:p>
-            <a:pPr marL="0" indent="0" algn="l">
-              <a:lnSpc>
-                <a:spcPts val="1100"/>
-              </a:lnSpc>
-              <a:buNone/>
-            </a:pPr>
-            <a:r>
-              <a:rPr lang="en-US" sz="834" dirty="0">
-                <a:solidFill>
-                  <a:srgbClr val="1A1A1A"/>
-                </a:solidFill>
-              </a:rPr>
-              <a:t>Elantra</a:t>
-            </a:r>
-            <a:endParaRPr lang="en-US" sz="834" dirty="0"/>
-          </a:p>
-        </p:txBody>
-      </p:sp>
-      <p:sp>
-        <p:nvSpPr>
-          <p:cNvPr id="39" name="Text 36"/>
-          <p:cNvSpPr/>
-          <p:nvPr/>
-        </p:nvSpPr>
-        <p:spPr>
-          <a:xfrm>
-            <a:off x="2460693" y="4223742"/>
-            <a:ext cx="2219892" cy="219670"/>
-          </a:xfrm>
-          <a:prstGeom prst="rect">
-            <a:avLst/>
-          </a:prstGeom>
-          <a:noFill/>
-          <a:ln/>
-        </p:spPr>
-        <p:txBody>
-          <a:bodyPr wrap="square" lIns="102108" tIns="34036" rIns="102108" bIns="34036" rtlCol="0" anchor="ctr">
-            <a:spAutoFit/>
-          </a:bodyPr>
-          <a:lstStyle/>
-          <a:p>
-            <a:pPr marL="0" indent="0" algn="l">
-              <a:lnSpc>
-                <a:spcPts val="1100"/>
-              </a:lnSpc>
-              <a:buNone/>
-            </a:pPr>
-            <a:r>
-              <a:rPr lang="en-US" sz="834" dirty="0">
-                <a:solidFill>
-                  <a:srgbClr val="1A1A1A"/>
-                </a:solidFill>
-              </a:rPr>
-              <a:t>1,642</a:t>
-            </a:r>
-            <a:endParaRPr lang="en-US" sz="834" dirty="0"/>
-          </a:p>
-        </p:txBody>
-      </p:sp>
-      <p:sp>
-        <p:nvSpPr>
-          <p:cNvPr id="40" name="Text 37"/>
-          <p:cNvSpPr/>
-          <p:nvPr/>
-        </p:nvSpPr>
-        <p:spPr>
-          <a:xfrm>
-            <a:off x="571500" y="4443413"/>
-            <a:ext cx="1637733" cy="219670"/>
-          </a:xfrm>
-          <a:prstGeom prst="rect">
-            <a:avLst/>
-          </a:prstGeom>
-          <a:noFill/>
-          <a:ln/>
-        </p:spPr>
-        <p:txBody>
-          <a:bodyPr wrap="square" lIns="102108" tIns="34036" rIns="102108" bIns="34036" rtlCol="0" anchor="ctr">
-            <a:spAutoFit/>
-          </a:bodyPr>
-          <a:lstStyle/>
-          <a:p>
-            <a:pPr marL="0" indent="0" algn="l">
-              <a:lnSpc>
-                <a:spcPts val="1100"/>
-              </a:lnSpc>
-              <a:buNone/>
-            </a:pPr>
-            <a:r>
-              <a:rPr lang="en-US" sz="834" dirty="0">
-                <a:solidFill>
-                  <a:srgbClr val="1A1A1A"/>
-                </a:solidFill>
-              </a:rPr>
-              <a:t>Lanos</a:t>
-            </a:r>
-            <a:endParaRPr lang="en-US" sz="834" dirty="0"/>
-          </a:p>
-        </p:txBody>
-      </p:sp>
-      <p:sp>
-        <p:nvSpPr>
-          <p:cNvPr id="41" name="Text 38"/>
-          <p:cNvSpPr/>
-          <p:nvPr/>
-        </p:nvSpPr>
-        <p:spPr>
-          <a:xfrm>
-            <a:off x="2460693" y="4443413"/>
-            <a:ext cx="2219892" cy="219670"/>
-          </a:xfrm>
-          <a:prstGeom prst="rect">
-            <a:avLst/>
-          </a:prstGeom>
-          <a:noFill/>
-          <a:ln/>
-        </p:spPr>
-        <p:txBody>
-          <a:bodyPr wrap="square" lIns="102108" tIns="34036" rIns="102108" bIns="34036" rtlCol="0" anchor="ctr">
-            <a:spAutoFit/>
-          </a:bodyPr>
-          <a:lstStyle/>
-          <a:p>
-            <a:pPr marL="0" indent="0" algn="l">
-              <a:lnSpc>
-                <a:spcPts val="1100"/>
-              </a:lnSpc>
-              <a:buNone/>
-            </a:pPr>
-            <a:r>
-              <a:rPr lang="en-US" sz="834" dirty="0">
-                <a:solidFill>
-                  <a:srgbClr val="1A1A1A"/>
-                </a:solidFill>
-              </a:rPr>
-              <a:t>1,528</a:t>
             </a:r>
             <a:endParaRPr lang="en-US" sz="834" dirty="0"/>
           </a:p>
@@ -9094,6 +9071,13 @@
           </a:solidFill>
           <a:ln/>
         </p:spPr>
+        <p:txBody>
+          <a:bodyPr/>
+          <a:lstStyle/>
+          <a:p>
+            <a:endParaRPr lang="en-US"/>
+          </a:p>
+        </p:txBody>
       </p:sp>
       <p:sp>
         <p:nvSpPr>
@@ -9114,6 +9098,13 @@
           </a:solidFill>
           <a:ln/>
         </p:spPr>
+        <p:txBody>
+          <a:bodyPr/>
+          <a:lstStyle/>
+          <a:p>
+            <a:endParaRPr lang="en-US"/>
+          </a:p>
+        </p:txBody>
       </p:sp>
       <p:sp>
         <p:nvSpPr>
@@ -9175,6 +9166,13 @@
           </a:solidFill>
           <a:ln/>
         </p:spPr>
+        <p:txBody>
+          <a:bodyPr/>
+          <a:lstStyle/>
+          <a:p>
+            <a:endParaRPr lang="en-US"/>
+          </a:p>
+        </p:txBody>
       </p:sp>
       <p:sp>
         <p:nvSpPr>
@@ -9195,6 +9193,13 @@
           </a:solidFill>
           <a:ln/>
         </p:spPr>
+        <p:txBody>
+          <a:bodyPr/>
+          <a:lstStyle/>
+          <a:p>
+            <a:endParaRPr lang="en-US"/>
+          </a:p>
+        </p:txBody>
       </p:sp>
       <p:sp>
         <p:nvSpPr>
@@ -9256,6 +9261,13 @@
           </a:solidFill>
           <a:ln/>
         </p:spPr>
+        <p:txBody>
+          <a:bodyPr/>
+          <a:lstStyle/>
+          <a:p>
+            <a:endParaRPr lang="en-US"/>
+          </a:p>
+        </p:txBody>
       </p:sp>
       <p:sp>
         <p:nvSpPr>
@@ -9276,6 +9288,13 @@
           </a:solidFill>
           <a:ln/>
         </p:spPr>
+        <p:txBody>
+          <a:bodyPr/>
+          <a:lstStyle/>
+          <a:p>
+            <a:endParaRPr lang="en-US"/>
+          </a:p>
+        </p:txBody>
       </p:sp>
       <p:sp>
         <p:nvSpPr>
@@ -9460,6 +9479,13 @@
           </a:solidFill>
           <a:ln/>
         </p:spPr>
+        <p:txBody>
+          <a:bodyPr/>
+          <a:lstStyle/>
+          <a:p>
+            <a:endParaRPr lang="en-US"/>
+          </a:p>
+        </p:txBody>
       </p:sp>
       <p:sp>
         <p:nvSpPr>
@@ -9726,6 +9752,13 @@
           </a:solidFill>
           <a:ln/>
         </p:spPr>
+        <p:txBody>
+          <a:bodyPr/>
+          <a:lstStyle/>
+          <a:p>
+            <a:endParaRPr lang="en-US"/>
+          </a:p>
+        </p:txBody>
       </p:sp>
       <p:sp>
         <p:nvSpPr>
@@ -9983,6 +10016,13 @@
           </a:solidFill>
           <a:ln/>
         </p:spPr>
+        <p:txBody>
+          <a:bodyPr/>
+          <a:lstStyle/>
+          <a:p>
+            <a:endParaRPr lang="en-US"/>
+          </a:p>
+        </p:txBody>
       </p:sp>
       <p:sp>
         <p:nvSpPr>
@@ -10003,6 +10043,13 @@
           </a:solidFill>
           <a:ln/>
         </p:spPr>
+        <p:txBody>
+          <a:bodyPr/>
+          <a:lstStyle/>
+          <a:p>
+            <a:endParaRPr lang="en-US"/>
+          </a:p>
+        </p:txBody>
       </p:sp>
       <p:sp>
         <p:nvSpPr>
@@ -10064,6 +10111,13 @@
           </a:solidFill>
           <a:ln/>
         </p:spPr>
+        <p:txBody>
+          <a:bodyPr/>
+          <a:lstStyle/>
+          <a:p>
+            <a:endParaRPr lang="en-US"/>
+          </a:p>
+        </p:txBody>
       </p:sp>
       <p:sp>
         <p:nvSpPr>
@@ -10084,6 +10138,13 @@
           </a:solidFill>
           <a:ln/>
         </p:spPr>
+        <p:txBody>
+          <a:bodyPr/>
+          <a:lstStyle/>
+          <a:p>
+            <a:endParaRPr lang="en-US"/>
+          </a:p>
+        </p:txBody>
       </p:sp>
       <p:sp>
         <p:nvSpPr>
@@ -10145,6 +10206,13 @@
           </a:solidFill>
           <a:ln/>
         </p:spPr>
+        <p:txBody>
+          <a:bodyPr/>
+          <a:lstStyle/>
+          <a:p>
+            <a:endParaRPr lang="en-US"/>
+          </a:p>
+        </p:txBody>
       </p:sp>
       <p:sp>
         <p:nvSpPr>
@@ -10165,6 +10233,13 @@
           </a:solidFill>
           <a:ln/>
         </p:spPr>
+        <p:txBody>
+          <a:bodyPr/>
+          <a:lstStyle/>
+          <a:p>
+            <a:endParaRPr lang="en-US"/>
+          </a:p>
+        </p:txBody>
       </p:sp>
       <p:sp>
         <p:nvSpPr>
@@ -10349,6 +10424,13 @@
           </a:solidFill>
           <a:ln/>
         </p:spPr>
+        <p:txBody>
+          <a:bodyPr/>
+          <a:lstStyle/>
+          <a:p>
+            <a:endParaRPr lang="en-US"/>
+          </a:p>
+        </p:txBody>
       </p:sp>
       <p:sp>
         <p:nvSpPr>
@@ -10615,6 +10697,13 @@
           </a:solidFill>
           <a:ln/>
         </p:spPr>
+        <p:txBody>
+          <a:bodyPr/>
+          <a:lstStyle/>
+          <a:p>
+            <a:endParaRPr lang="en-US"/>
+          </a:p>
+        </p:txBody>
       </p:sp>
       <p:sp>
         <p:nvSpPr>
@@ -11203,6 +11292,13 @@
           </a:solidFill>
           <a:ln/>
         </p:spPr>
+        <p:txBody>
+          <a:bodyPr/>
+          <a:lstStyle/>
+          <a:p>
+            <a:endParaRPr lang="en-US"/>
+          </a:p>
+        </p:txBody>
       </p:sp>
       <p:sp>
         <p:nvSpPr>
@@ -11223,6 +11319,13 @@
           </a:solidFill>
           <a:ln/>
         </p:spPr>
+        <p:txBody>
+          <a:bodyPr/>
+          <a:lstStyle/>
+          <a:p>
+            <a:endParaRPr lang="en-US"/>
+          </a:p>
+        </p:txBody>
       </p:sp>
       <p:sp>
         <p:nvSpPr>
@@ -11284,6 +11387,13 @@
           </a:solidFill>
           <a:ln/>
         </p:spPr>
+        <p:txBody>
+          <a:bodyPr/>
+          <a:lstStyle/>
+          <a:p>
+            <a:endParaRPr lang="en-US"/>
+          </a:p>
+        </p:txBody>
       </p:sp>
       <p:sp>
         <p:nvSpPr>
@@ -11304,6 +11414,13 @@
           </a:solidFill>
           <a:ln/>
         </p:spPr>
+        <p:txBody>
+          <a:bodyPr/>
+          <a:lstStyle/>
+          <a:p>
+            <a:endParaRPr lang="en-US"/>
+          </a:p>
+        </p:txBody>
       </p:sp>
       <p:sp>
         <p:nvSpPr>
@@ -11447,6 +11564,13 @@
           </a:solidFill>
           <a:ln/>
         </p:spPr>
+        <p:txBody>
+          <a:bodyPr/>
+          <a:lstStyle/>
+          <a:p>
+            <a:endParaRPr lang="en-US"/>
+          </a:p>
+        </p:txBody>
       </p:sp>
       <p:sp>
         <p:nvSpPr>
@@ -11729,6 +11853,13 @@
           </a:solidFill>
           <a:ln/>
         </p:spPr>
+        <p:txBody>
+          <a:bodyPr/>
+          <a:lstStyle/>
+          <a:p>
+            <a:endParaRPr lang="en-US"/>
+          </a:p>
+        </p:txBody>
       </p:sp>
       <p:sp>
         <p:nvSpPr>
@@ -11749,6 +11880,13 @@
           </a:solidFill>
           <a:ln/>
         </p:spPr>
+        <p:txBody>
+          <a:bodyPr/>
+          <a:lstStyle/>
+          <a:p>
+            <a:endParaRPr lang="en-US"/>
+          </a:p>
+        </p:txBody>
       </p:sp>
       <p:sp>
         <p:nvSpPr>
@@ -11810,6 +11948,13 @@
           </a:solidFill>
           <a:ln/>
         </p:spPr>
+        <p:txBody>
+          <a:bodyPr/>
+          <a:lstStyle/>
+          <a:p>
+            <a:endParaRPr lang="en-US"/>
+          </a:p>
+        </p:txBody>
       </p:sp>
       <p:sp>
         <p:nvSpPr>
@@ -11830,6 +11975,13 @@
           </a:solidFill>
           <a:ln/>
         </p:spPr>
+        <p:txBody>
+          <a:bodyPr/>
+          <a:lstStyle/>
+          <a:p>
+            <a:endParaRPr lang="en-US"/>
+          </a:p>
+        </p:txBody>
       </p:sp>
       <p:sp>
         <p:nvSpPr>
@@ -11973,6 +12125,13 @@
           </a:solidFill>
           <a:ln/>
         </p:spPr>
+        <p:txBody>
+          <a:bodyPr/>
+          <a:lstStyle/>
+          <a:p>
+            <a:endParaRPr lang="en-US"/>
+          </a:p>
+        </p:txBody>
       </p:sp>
       <p:sp>
         <p:nvSpPr>
@@ -12471,6 +12630,13 @@
           </a:solidFill>
           <a:ln/>
         </p:spPr>
+        <p:txBody>
+          <a:bodyPr/>
+          <a:lstStyle/>
+          <a:p>
+            <a:endParaRPr lang="en-US"/>
+          </a:p>
+        </p:txBody>
       </p:sp>
       <p:sp>
         <p:nvSpPr>
@@ -12491,6 +12657,13 @@
           </a:solidFill>
           <a:ln/>
         </p:spPr>
+        <p:txBody>
+          <a:bodyPr/>
+          <a:lstStyle/>
+          <a:p>
+            <a:endParaRPr lang="en-US"/>
+          </a:p>
+        </p:txBody>
       </p:sp>
       <p:sp>
         <p:nvSpPr>
@@ -12552,6 +12725,13 @@
           </a:solidFill>
           <a:ln/>
         </p:spPr>
+        <p:txBody>
+          <a:bodyPr/>
+          <a:lstStyle/>
+          <a:p>
+            <a:endParaRPr lang="en-US"/>
+          </a:p>
+        </p:txBody>
       </p:sp>
       <p:sp>
         <p:nvSpPr>
@@ -12572,6 +12752,13 @@
           </a:solidFill>
           <a:ln/>
         </p:spPr>
+        <p:txBody>
+          <a:bodyPr/>
+          <a:lstStyle/>
+          <a:p>
+            <a:endParaRPr lang="en-US"/>
+          </a:p>
+        </p:txBody>
       </p:sp>
       <p:sp>
         <p:nvSpPr>
@@ -12938,6 +13125,13 @@
           </a:solidFill>
           <a:ln/>
         </p:spPr>
+        <p:txBody>
+          <a:bodyPr/>
+          <a:lstStyle/>
+          <a:p>
+            <a:endParaRPr lang="en-US"/>
+          </a:p>
+        </p:txBody>
       </p:sp>
       <p:sp>
         <p:nvSpPr>
@@ -13040,6 +13234,13 @@
           </a:solidFill>
           <a:ln/>
         </p:spPr>
+        <p:txBody>
+          <a:bodyPr/>
+          <a:lstStyle/>
+          <a:p>
+            <a:endParaRPr lang="en-US"/>
+          </a:p>
+        </p:txBody>
       </p:sp>
       <p:sp>
         <p:nvSpPr>
@@ -13060,6 +13261,13 @@
           </a:solidFill>
           <a:ln/>
         </p:spPr>
+        <p:txBody>
+          <a:bodyPr/>
+          <a:lstStyle/>
+          <a:p>
+            <a:endParaRPr lang="en-US"/>
+          </a:p>
+        </p:txBody>
       </p:sp>
       <p:sp>
         <p:nvSpPr>

--- a/Analysis_of_the_Used_Car_Market_in_Egypt.pptx
+++ b/Analysis_of_the_Used_Car_Market_in_Egypt.pptx
@@ -6193,88 +6193,6 @@
       </p:sp>
       <p:sp>
         <p:nvSpPr>
-          <p:cNvPr id="30" name="Text 27"/>
-          <p:cNvSpPr/>
-          <p:nvPr/>
-        </p:nvSpPr>
-        <p:spPr>
-          <a:xfrm>
-            <a:off x="571500" y="3574946"/>
-            <a:ext cx="1637733" cy="202812"/>
-          </a:xfrm>
-          <a:prstGeom prst="rect">
-            <a:avLst/>
-          </a:prstGeom>
-          <a:noFill/>
-          <a:ln/>
-        </p:spPr>
-        <p:txBody>
-          <a:bodyPr wrap="square" lIns="102108" tIns="34036" rIns="102108" bIns="34036" rtlCol="0" anchor="ctr">
-            <a:spAutoFit/>
-          </a:bodyPr>
-          <a:lstStyle/>
-          <a:p>
-            <a:pPr marL="0" indent="0" algn="l">
-              <a:lnSpc>
-                <a:spcPts val="1100"/>
-              </a:lnSpc>
-              <a:buNone/>
-            </a:pPr>
-            <a:r>
-              <a:rPr lang="en-US" sz="834" dirty="0">
-                <a:solidFill>
-                  <a:srgbClr val="1A1A1A"/>
-                </a:solidFill>
-              </a:rPr>
-              <a:t>Lanos</a:t>
-            </a:r>
-            <a:endParaRPr lang="en-US" sz="834" dirty="0"/>
-          </a:p>
-        </p:txBody>
-      </p:sp>
-      <p:sp>
-        <p:nvSpPr>
-          <p:cNvPr id="31" name="Text 28"/>
-          <p:cNvSpPr/>
-          <p:nvPr/>
-        </p:nvSpPr>
-        <p:spPr>
-          <a:xfrm>
-            <a:off x="2460693" y="3568303"/>
-            <a:ext cx="2219892" cy="216098"/>
-          </a:xfrm>
-          <a:prstGeom prst="rect">
-            <a:avLst/>
-          </a:prstGeom>
-          <a:noFill/>
-          <a:ln/>
-        </p:spPr>
-        <p:txBody>
-          <a:bodyPr wrap="square" lIns="102108" tIns="34036" rIns="102108" bIns="34036" rtlCol="0" anchor="ctr">
-            <a:spAutoFit/>
-          </a:bodyPr>
-          <a:lstStyle/>
-          <a:p>
-            <a:pPr marL="0" indent="0" algn="l">
-              <a:lnSpc>
-                <a:spcPts val="1100"/>
-              </a:lnSpc>
-              <a:buNone/>
-            </a:pPr>
-            <a:r>
-              <a:rPr lang="en-US" sz="834" dirty="0">
-                <a:solidFill>
-                  <a:srgbClr val="1A1A1A"/>
-                </a:solidFill>
-              </a:rPr>
-              <a:t>2,652</a:t>
-            </a:r>
-            <a:endParaRPr lang="en-US" sz="834" dirty="0"/>
-          </a:p>
-        </p:txBody>
-      </p:sp>
-      <p:sp>
-        <p:nvSpPr>
           <p:cNvPr id="32" name="Shape 29"/>
           <p:cNvSpPr/>
           <p:nvPr/>
@@ -6308,7 +6226,7 @@
         </p:nvSpPr>
         <p:spPr>
           <a:xfrm>
-            <a:off x="571500" y="3784402"/>
+            <a:off x="571500" y="3543020"/>
             <a:ext cx="1637733" cy="219670"/>
           </a:xfrm>
           <a:prstGeom prst="rect">
@@ -6349,7 +6267,7 @@
         </p:nvSpPr>
         <p:spPr>
           <a:xfrm>
-            <a:off x="2460693" y="3784402"/>
+            <a:off x="2477838" y="3554824"/>
             <a:ext cx="2219892" cy="219670"/>
           </a:xfrm>
           <a:prstGeom prst="rect">
@@ -7042,6 +6960,88 @@
           </p:spPr>
         </p:pic>
       </p:grpSp>
+      <p:sp>
+        <p:nvSpPr>
+          <p:cNvPr id="31" name="Text 28"/>
+          <p:cNvSpPr/>
+          <p:nvPr/>
+        </p:nvSpPr>
+        <p:spPr>
+          <a:xfrm>
+            <a:off x="2477838" y="3794235"/>
+            <a:ext cx="2219892" cy="202812"/>
+          </a:xfrm>
+          <a:prstGeom prst="rect">
+            <a:avLst/>
+          </a:prstGeom>
+          <a:noFill/>
+          <a:ln/>
+        </p:spPr>
+        <p:txBody>
+          <a:bodyPr wrap="square" lIns="102108" tIns="34036" rIns="102108" bIns="34036" rtlCol="0" anchor="ctr">
+            <a:spAutoFit/>
+          </a:bodyPr>
+          <a:lstStyle/>
+          <a:p>
+            <a:pPr marL="0" indent="0" algn="l">
+              <a:lnSpc>
+                <a:spcPts val="1100"/>
+              </a:lnSpc>
+              <a:buNone/>
+            </a:pPr>
+            <a:r>
+              <a:rPr lang="en-US" sz="834" dirty="0">
+                <a:solidFill>
+                  <a:srgbClr val="1A1A1A"/>
+                </a:solidFill>
+              </a:rPr>
+              <a:t>1700</a:t>
+            </a:r>
+            <a:endParaRPr lang="en-US" sz="834" dirty="0"/>
+          </a:p>
+        </p:txBody>
+      </p:sp>
+      <p:sp>
+        <p:nvSpPr>
+          <p:cNvPr id="30" name="Text 27"/>
+          <p:cNvSpPr/>
+          <p:nvPr/>
+        </p:nvSpPr>
+        <p:spPr>
+          <a:xfrm>
+            <a:off x="567055" y="3768832"/>
+            <a:ext cx="1637733" cy="202812"/>
+          </a:xfrm>
+          <a:prstGeom prst="rect">
+            <a:avLst/>
+          </a:prstGeom>
+          <a:noFill/>
+          <a:ln/>
+        </p:spPr>
+        <p:txBody>
+          <a:bodyPr wrap="square" lIns="102108" tIns="34036" rIns="102108" bIns="34036" rtlCol="0" anchor="ctr">
+            <a:spAutoFit/>
+          </a:bodyPr>
+          <a:lstStyle/>
+          <a:p>
+            <a:pPr marL="0" indent="0" algn="l">
+              <a:lnSpc>
+                <a:spcPts val="1100"/>
+              </a:lnSpc>
+              <a:buNone/>
+            </a:pPr>
+            <a:r>
+              <a:rPr lang="en-US" sz="834" dirty="0">
+                <a:solidFill>
+                  <a:srgbClr val="1A1A1A"/>
+                </a:solidFill>
+              </a:rPr>
+              <a:t>Lanos</a:t>
+            </a:r>
+            <a:endParaRPr lang="en-US" sz="834" dirty="0"/>
+          </a:p>
+        </p:txBody>
+      </p:sp>
     </p:spTree>
   </p:cSld>
   <p:clrMapOvr>
